--- a/DOC/3, SQL/SQL- by Sherlock/2. [MySQL] DB Concepts and ER Model.pptx
+++ b/DOC/3, SQL/SQL- by Sherlock/2. [MySQL] DB Concepts and ER Model.pptx
@@ -237,7 +237,7 @@
           <a:p>
             <a:fld id="{57BF1C7C-30AB-4920-B892-D59D8900ACC9}" type="datetimeFigureOut">
               <a:rPr lang="ko-KR" altLang="en-US" smtClean="0"/>
-              <a:t>2022-03-14</a:t>
+              <a:t>2022-08-28</a:t>
             </a:fld>
             <a:endParaRPr lang="ko-KR" altLang="en-US"/>
           </a:p>
@@ -2745,7 +2745,7 @@
         <p:spPr>
           <a:xfrm>
             <a:off x="179512" y="536094"/>
-            <a:ext cx="4320480" cy="4154984"/>
+            <a:ext cx="4320480" cy="4524315"/>
           </a:xfrm>
           <a:prstGeom prst="rect">
             <a:avLst/>
@@ -2791,13 +2791,34 @@
             </a:pPr>
             <a:r>
               <a:rPr lang="en-US" dirty="0"/>
-              <a:t>There are four types of relationship:</a:t>
-            </a:r>
-          </a:p>
-          <a:p>
+              <a:t>There are four types </a:t>
+            </a:r>
+            <a:r>
+              <a:rPr lang="en-US"/>
+              <a:t>of </a:t>
+            </a:r>
+            <a:r>
+              <a:rPr lang="vi-VN"/>
+              <a:t>relationships</a:t>
+            </a:r>
+            <a:r>
+              <a:rPr lang="en-US"/>
+              <a:t>:</a:t>
+            </a:r>
+            <a:endParaRPr lang="en-US" dirty="0"/>
+          </a:p>
+          <a:p>
+            <a:r>
+              <a:rPr lang="vi-VN" b="1"/>
+              <a:t>One-to-</a:t>
+            </a:r>
+            <a:r>
+              <a:rPr lang="en-US" b="1"/>
+              <a:t>one</a:t>
+            </a:r>
             <a:r>
               <a:rPr lang="en-US" b="1" dirty="0"/>
-              <a:t>One to one:</a:t>
+              <a:t>:</a:t>
             </a:r>
             <a:r>
               <a:rPr lang="en-US" dirty="0"/>
@@ -2809,8 +2830,36 @@
               <a:buNone/>
             </a:pPr>
             <a:r>
+              <a:rPr lang="en-US"/>
+              <a:t>For example, a person can have only one voter ID card, so the </a:t>
+            </a:r>
+            <a:r>
+              <a:rPr lang="vi-VN"/>
+              <a:t>relationship</a:t>
+            </a:r>
+            <a:r>
+              <a:rPr lang="en-US"/>
+              <a:t> </a:t>
+            </a:r>
+            <a:r>
               <a:rPr lang="en-US" dirty="0"/>
-              <a:t>Example, a person can have only one voter ID card, and so the relation among them will be one to one only.</a:t>
+              <a:t>among them will </a:t>
+            </a:r>
+            <a:r>
+              <a:rPr lang="en-US"/>
+              <a:t>be </a:t>
+            </a:r>
+            <a:r>
+              <a:rPr lang="vi-VN"/>
+              <a:t>one-to-one</a:t>
+            </a:r>
+            <a:r>
+              <a:rPr lang="en-US"/>
+              <a:t> </a:t>
+            </a:r>
+            <a:r>
+              <a:rPr lang="en-US" dirty="0"/>
+              <a:t>only.</a:t>
             </a:r>
           </a:p>
           <a:p>
@@ -2821,21 +2870,58 @@
           </a:p>
           <a:p>
             <a:r>
+              <a:rPr lang="vi-VN" b="1"/>
+              <a:t>One-to-</a:t>
+            </a:r>
+            <a:r>
+              <a:rPr lang="en-US" b="1"/>
+              <a:t>many</a:t>
+            </a:r>
+            <a:r>
               <a:rPr lang="en-US" b="1" dirty="0"/>
-              <a:t>One to many:</a:t>
+              <a:t>:</a:t>
             </a:r>
             <a:r>
               <a:rPr lang="en-US" dirty="0"/>
-              <a:t> When an entity is related to more than one entity, then this relation is known as one-to-many relationships.</a:t>
-            </a:r>
+              <a:t> When an entity is related to more than one entity, then this relation is known </a:t>
+            </a:r>
+            <a:r>
+              <a:rPr lang="en-US"/>
+              <a:t>as </a:t>
+            </a:r>
+            <a:r>
+              <a:rPr lang="vi-VN"/>
+              <a:t>a </a:t>
+            </a:r>
+            <a:r>
+              <a:rPr lang="en-US"/>
+              <a:t>one-to-many </a:t>
+            </a:r>
+            <a:r>
+              <a:rPr lang="vi-VN"/>
+              <a:t>relationship</a:t>
+            </a:r>
+            <a:r>
+              <a:rPr lang="en-US"/>
+              <a:t>.</a:t>
+            </a:r>
+            <a:endParaRPr lang="en-US" dirty="0"/>
           </a:p>
           <a:p>
             <a:pPr marL="169863" indent="0">
               <a:buNone/>
             </a:pPr>
             <a:r>
+              <a:rPr lang="vi-VN"/>
+              <a:t>For example</a:t>
+            </a:r>
+            <a:r>
+              <a:rPr lang="en-US"/>
+              <a:t>, </a:t>
+            </a:r>
+            <a:r>
               <a:rPr lang="en-US" dirty="0"/>
-              <a:t>Example, a relation between customer and order. Here a customer can place many orders, but many customers cannot place an order.</a:t>
+              <a:t>a relation between customer and order. Here a customer can place many orders, but many customers cannot place an order.</a:t>
             </a:r>
           </a:p>
           <a:p>
@@ -2848,7 +2934,23 @@
             </a:r>
             <a:r>
               <a:rPr lang="en-US" dirty="0"/>
-              <a:t> When more than one entity is related to a single entity, this is called a many to one relationship.</a:t>
+              <a:t> When more than one entity is related to a single entity, this is called </a:t>
+            </a:r>
+            <a:r>
+              <a:rPr lang="en-US"/>
+              <a:t>a </a:t>
+            </a:r>
+            <a:r>
+              <a:rPr lang="vi-VN"/>
+              <a:t>many-to-one</a:t>
+            </a:r>
+            <a:r>
+              <a:rPr lang="en-US"/>
+              <a:t> </a:t>
+            </a:r>
+            <a:r>
+              <a:rPr lang="en-US" dirty="0"/>
+              <a:t>relationship.</a:t>
             </a:r>
           </a:p>
           <a:p>
@@ -2856,8 +2958,16 @@
               <a:buNone/>
             </a:pPr>
             <a:r>
+              <a:rPr lang="vi-VN"/>
+              <a:t>For example</a:t>
+            </a:r>
+            <a:r>
+              <a:rPr lang="en-US"/>
+              <a:t>, </a:t>
+            </a:r>
+            <a:r>
               <a:rPr lang="en-US" dirty="0"/>
-              <a:t>Example, a relation between student and school, many students can study in a single school, but vice versa is not possible.</a:t>
+              <a:t>a relation between student and school, many students can study in a single school, but vice versa is not possible.</a:t>
             </a:r>
           </a:p>
           <a:p>
@@ -2878,8 +2988,48 @@
               <a:buNone/>
             </a:pPr>
             <a:r>
+              <a:rPr lang="vi-VN"/>
+              <a:t>For example</a:t>
+            </a:r>
+            <a:r>
+              <a:rPr lang="en-US"/>
+              <a:t>, a </a:t>
+            </a:r>
+            <a:r>
+              <a:rPr lang="vi-VN"/>
+              <a:t>relationship</a:t>
+            </a:r>
+            <a:r>
+              <a:rPr lang="en-US"/>
+              <a:t> </a:t>
+            </a:r>
+            <a:r>
+              <a:rPr lang="vi-VN"/>
+              <a:t>between</a:t>
+            </a:r>
+            <a:r>
+              <a:rPr lang="en-US"/>
+              <a:t> </a:t>
+            </a:r>
+            <a:r>
               <a:rPr lang="en-US" dirty="0"/>
-              <a:t>Example, a relation among students and subjects will be the best example for this as many students read many subjects and vice versa.</a:t>
+              <a:t>students and subjects will be the best </a:t>
+            </a:r>
+            <a:r>
+              <a:rPr lang="en-US"/>
+              <a:t>example </a:t>
+            </a:r>
+            <a:r>
+              <a:rPr lang="vi-VN"/>
+              <a:t>of</a:t>
+            </a:r>
+            <a:r>
+              <a:rPr lang="en-US"/>
+              <a:t> </a:t>
+            </a:r>
+            <a:r>
+              <a:rPr lang="en-US" dirty="0"/>
+              <a:t>this as many students read many subjects and vice versa.</a:t>
             </a:r>
           </a:p>
         </p:txBody>
